--- a/CEVP infographic/CEVP story infographic 1.1.pptx
+++ b/CEVP infographic/CEVP story infographic 1.1.pptx
@@ -197,7 +197,7 @@
           <a:p>
             <a:fld id="{D39BA13A-12B4-4FE5-ACB2-4819817F79E1}" type="datetimeFigureOut">
               <a:rPr lang="en-US" smtClean="0"/>
-              <a:t>5/23/2019</a:t>
+              <a:t>5/28/2019</a:t>
             </a:fld>
             <a:endParaRPr lang="en-US"/>
           </a:p>
@@ -292,7 +292,6 @@
               <a:rPr lang="en-US"/>
               <a:t>Fifth level</a:t>
             </a:r>
-            <a:endParaRPr lang="en-US"/>
           </a:p>
         </p:txBody>
       </p:sp>
@@ -598,7 +597,7 @@
           <a:p>
             <a:fld id="{783F45CF-54C6-4228-A891-F887DE617637}" type="datetimeFigureOut">
               <a:rPr lang="en-US" smtClean="0"/>
-              <a:t>5/23/2019</a:t>
+              <a:t>5/28/2019</a:t>
             </a:fld>
             <a:endParaRPr lang="en-US"/>
           </a:p>
@@ -890,7 +889,7 @@
           <a:p>
             <a:fld id="{783F45CF-54C6-4228-A891-F887DE617637}" type="datetimeFigureOut">
               <a:rPr lang="en-US" smtClean="0"/>
-              <a:t>5/23/2019</a:t>
+              <a:t>5/28/2019</a:t>
             </a:fld>
             <a:endParaRPr lang="en-US"/>
           </a:p>
@@ -1082,7 +1081,7 @@
           <a:p>
             <a:fld id="{783F45CF-54C6-4228-A891-F887DE617637}" type="datetimeFigureOut">
               <a:rPr lang="en-US" smtClean="0"/>
-              <a:t>5/23/2019</a:t>
+              <a:t>5/28/2019</a:t>
             </a:fld>
             <a:endParaRPr lang="en-US"/>
           </a:p>
@@ -1343,7 +1342,7 @@
           <a:p>
             <a:fld id="{783F45CF-54C6-4228-A891-F887DE617637}" type="datetimeFigureOut">
               <a:rPr lang="en-US" smtClean="0"/>
-              <a:t>5/23/2019</a:t>
+              <a:t>5/28/2019</a:t>
             </a:fld>
             <a:endParaRPr lang="en-US"/>
           </a:p>
@@ -1767,7 +1766,7 @@
           <a:p>
             <a:fld id="{783F45CF-54C6-4228-A891-F887DE617637}" type="datetimeFigureOut">
               <a:rPr lang="en-US" smtClean="0"/>
-              <a:t>5/23/2019</a:t>
+              <a:t>5/28/2019</a:t>
             </a:fld>
             <a:endParaRPr lang="en-US"/>
           </a:p>
@@ -2313,7 +2312,7 @@
           <a:p>
             <a:fld id="{783F45CF-54C6-4228-A891-F887DE617637}" type="datetimeFigureOut">
               <a:rPr lang="en-US" smtClean="0"/>
-              <a:t>5/23/2019</a:t>
+              <a:t>5/28/2019</a:t>
             </a:fld>
             <a:endParaRPr lang="en-US"/>
           </a:p>
@@ -3153,7 +3152,7 @@
           <a:p>
             <a:fld id="{783F45CF-54C6-4228-A891-F887DE617637}" type="datetimeFigureOut">
               <a:rPr lang="en-US" smtClean="0"/>
-              <a:t>5/23/2019</a:t>
+              <a:t>5/28/2019</a:t>
             </a:fld>
             <a:endParaRPr lang="en-US"/>
           </a:p>
@@ -3323,7 +3322,7 @@
           <a:p>
             <a:fld id="{783F45CF-54C6-4228-A891-F887DE617637}" type="datetimeFigureOut">
               <a:rPr lang="en-US" smtClean="0"/>
-              <a:t>5/23/2019</a:t>
+              <a:t>5/28/2019</a:t>
             </a:fld>
             <a:endParaRPr lang="en-US"/>
           </a:p>
@@ -3507,7 +3506,7 @@
           <a:p>
             <a:fld id="{783F45CF-54C6-4228-A891-F887DE617637}" type="datetimeFigureOut">
               <a:rPr lang="en-US" smtClean="0"/>
-              <a:t>5/23/2019</a:t>
+              <a:t>5/28/2019</a:t>
             </a:fld>
             <a:endParaRPr lang="en-US"/>
           </a:p>
@@ -3677,7 +3676,7 @@
           <a:p>
             <a:fld id="{783F45CF-54C6-4228-A891-F887DE617637}" type="datetimeFigureOut">
               <a:rPr lang="en-US" smtClean="0"/>
-              <a:t>5/23/2019</a:t>
+              <a:t>5/28/2019</a:t>
             </a:fld>
             <a:endParaRPr lang="en-US"/>
           </a:p>
@@ -3925,7 +3924,7 @@
           <a:p>
             <a:fld id="{783F45CF-54C6-4228-A891-F887DE617637}" type="datetimeFigureOut">
               <a:rPr lang="en-US" smtClean="0"/>
-              <a:t>5/23/2019</a:t>
+              <a:t>5/28/2019</a:t>
             </a:fld>
             <a:endParaRPr lang="en-US"/>
           </a:p>
@@ -4162,7 +4161,7 @@
           <a:p>
             <a:fld id="{783F45CF-54C6-4228-A891-F887DE617637}" type="datetimeFigureOut">
               <a:rPr lang="en-US" smtClean="0"/>
-              <a:t>5/23/2019</a:t>
+              <a:t>5/28/2019</a:t>
             </a:fld>
             <a:endParaRPr lang="en-US"/>
           </a:p>
@@ -4535,7 +4534,7 @@
           <a:p>
             <a:fld id="{783F45CF-54C6-4228-A891-F887DE617637}" type="datetimeFigureOut">
               <a:rPr lang="en-US" smtClean="0"/>
-              <a:t>5/23/2019</a:t>
+              <a:t>5/28/2019</a:t>
             </a:fld>
             <a:endParaRPr lang="en-US"/>
           </a:p>
@@ -4653,7 +4652,7 @@
           <a:p>
             <a:fld id="{783F45CF-54C6-4228-A891-F887DE617637}" type="datetimeFigureOut">
               <a:rPr lang="en-US" smtClean="0"/>
-              <a:t>5/23/2019</a:t>
+              <a:t>5/28/2019</a:t>
             </a:fld>
             <a:endParaRPr lang="en-US"/>
           </a:p>
@@ -4748,7 +4747,7 @@
           <a:p>
             <a:fld id="{783F45CF-54C6-4228-A891-F887DE617637}" type="datetimeFigureOut">
               <a:rPr lang="en-US" smtClean="0"/>
-              <a:t>5/23/2019</a:t>
+              <a:t>5/28/2019</a:t>
             </a:fld>
             <a:endParaRPr lang="en-US"/>
           </a:p>
@@ -5004,7 +5003,7 @@
           <a:p>
             <a:fld id="{783F45CF-54C6-4228-A891-F887DE617637}" type="datetimeFigureOut">
               <a:rPr lang="en-US" smtClean="0"/>
-              <a:t>5/23/2019</a:t>
+              <a:t>5/28/2019</a:t>
             </a:fld>
             <a:endParaRPr lang="en-US"/>
           </a:p>
@@ -5296,7 +5295,7 @@
           <a:p>
             <a:fld id="{783F45CF-54C6-4228-A891-F887DE617637}" type="datetimeFigureOut">
               <a:rPr lang="en-US" smtClean="0"/>
-              <a:t>5/23/2019</a:t>
+              <a:t>5/28/2019</a:t>
             </a:fld>
             <a:endParaRPr lang="en-US"/>
           </a:p>
@@ -5509,7 +5508,7 @@
           <a:p>
             <a:fld id="{783F45CF-54C6-4228-A891-F887DE617637}" type="datetimeFigureOut">
               <a:rPr lang="en-US" smtClean="0"/>
-              <a:t>5/23/2019</a:t>
+              <a:t>5/28/2019</a:t>
             </a:fld>
             <a:endParaRPr lang="en-US"/>
           </a:p>
@@ -6420,14 +6419,28 @@
                 <a:latin typeface="Segoe UI Semilight" panose="020B0402040204020203" pitchFamily="34" charset="0"/>
                 <a:cs typeface="Segoe UI Semilight" panose="020B0402040204020203" pitchFamily="34" charset="0"/>
               </a:rPr>
-              <a:t>Emergency vehicles now spend only </a:t>
+              <a:t>Emergency vehicles now spend </a:t>
+            </a:r>
+            <a:r>
+              <a:rPr lang="en-US" sz="2000">
+                <a:latin typeface="Segoe UI Semilight" panose="020B0402040204020203" pitchFamily="34" charset="0"/>
+                <a:cs typeface="Segoe UI Semilight" panose="020B0402040204020203" pitchFamily="34" charset="0"/>
+              </a:rPr>
+              <a:t>only </a:t>
+            </a:r>
+            <a:r>
+              <a:rPr lang="en-US" sz="2000" b="1">
+                <a:latin typeface="Segoe UI Semilight" panose="020B0402040204020203" pitchFamily="34" charset="0"/>
+                <a:cs typeface="Segoe UI Semilight" panose="020B0402040204020203" pitchFamily="34" charset="0"/>
+              </a:rPr>
+              <a:t>6 </a:t>
             </a:r>
             <a:r>
               <a:rPr lang="en-US" sz="2000" b="1" dirty="0">
                 <a:latin typeface="Segoe UI Semilight" panose="020B0402040204020203" pitchFamily="34" charset="0"/>
                 <a:cs typeface="Segoe UI Semilight" panose="020B0402040204020203" pitchFamily="34" charset="0"/>
               </a:rPr>
-              <a:t>4 seconds </a:t>
+              <a:t>seconds </a:t>
             </a:r>
             <a:r>
               <a:rPr lang="en-US" sz="2000" dirty="0">
